--- a/Documents/Презентация отчет1.pptx
+++ b/Documents/Презентация отчет1.pptx
@@ -124,7 +124,7 @@
   </p:defaultTextStyle>
   <p:extLst>
     <p:ext uri="{EFAFB233-063F-42B5-8137-9DF3F51BA10A}">
-      <p15:sldGuideLst xmlns:p15="http://schemas.microsoft.com/office/powerpoint/2012/main"/>
+      <p15:sldGuideLst xmlns:p15="http://schemas.microsoft.com/office/powerpoint/2012/main" xmlns=""/>
     </p:ext>
   </p:extLst>
 </p:presentation>
@@ -261,7 +261,7 @@
           <a:p>
             <a:fld id="{0B38DCC9-3BA9-4C45-BF12-9B42EAB058F9}" type="datetimeFigureOut">
               <a:rPr lang="ru-RU" smtClean="0"/>
-              <a:t>17.12.2018</a:t>
+              <a:t>24.12.2018</a:t>
             </a:fld>
             <a:endParaRPr lang="ru-RU"/>
           </a:p>
@@ -431,7 +431,7 @@
           <a:p>
             <a:fld id="{0B38DCC9-3BA9-4C45-BF12-9B42EAB058F9}" type="datetimeFigureOut">
               <a:rPr lang="ru-RU" smtClean="0"/>
-              <a:t>17.12.2018</a:t>
+              <a:t>24.12.2018</a:t>
             </a:fld>
             <a:endParaRPr lang="ru-RU"/>
           </a:p>
@@ -611,7 +611,7 @@
           <a:p>
             <a:fld id="{0B38DCC9-3BA9-4C45-BF12-9B42EAB058F9}" type="datetimeFigureOut">
               <a:rPr lang="ru-RU" smtClean="0"/>
-              <a:t>17.12.2018</a:t>
+              <a:t>24.12.2018</a:t>
             </a:fld>
             <a:endParaRPr lang="ru-RU"/>
           </a:p>
@@ -781,7 +781,7 @@
           <a:p>
             <a:fld id="{0B38DCC9-3BA9-4C45-BF12-9B42EAB058F9}" type="datetimeFigureOut">
               <a:rPr lang="ru-RU" smtClean="0"/>
-              <a:t>17.12.2018</a:t>
+              <a:t>24.12.2018</a:t>
             </a:fld>
             <a:endParaRPr lang="ru-RU"/>
           </a:p>
@@ -1027,7 +1027,7 @@
           <a:p>
             <a:fld id="{0B38DCC9-3BA9-4C45-BF12-9B42EAB058F9}" type="datetimeFigureOut">
               <a:rPr lang="ru-RU" smtClean="0"/>
-              <a:t>17.12.2018</a:t>
+              <a:t>24.12.2018</a:t>
             </a:fld>
             <a:endParaRPr lang="ru-RU"/>
           </a:p>
@@ -1259,7 +1259,7 @@
           <a:p>
             <a:fld id="{0B38DCC9-3BA9-4C45-BF12-9B42EAB058F9}" type="datetimeFigureOut">
               <a:rPr lang="ru-RU" smtClean="0"/>
-              <a:t>17.12.2018</a:t>
+              <a:t>24.12.2018</a:t>
             </a:fld>
             <a:endParaRPr lang="ru-RU"/>
           </a:p>
@@ -1626,7 +1626,7 @@
           <a:p>
             <a:fld id="{0B38DCC9-3BA9-4C45-BF12-9B42EAB058F9}" type="datetimeFigureOut">
               <a:rPr lang="ru-RU" smtClean="0"/>
-              <a:t>17.12.2018</a:t>
+              <a:t>24.12.2018</a:t>
             </a:fld>
             <a:endParaRPr lang="ru-RU"/>
           </a:p>
@@ -1744,7 +1744,7 @@
           <a:p>
             <a:fld id="{0B38DCC9-3BA9-4C45-BF12-9B42EAB058F9}" type="datetimeFigureOut">
               <a:rPr lang="ru-RU" smtClean="0"/>
-              <a:t>17.12.2018</a:t>
+              <a:t>24.12.2018</a:t>
             </a:fld>
             <a:endParaRPr lang="ru-RU"/>
           </a:p>
@@ -1839,7 +1839,7 @@
           <a:p>
             <a:fld id="{0B38DCC9-3BA9-4C45-BF12-9B42EAB058F9}" type="datetimeFigureOut">
               <a:rPr lang="ru-RU" smtClean="0"/>
-              <a:t>17.12.2018</a:t>
+              <a:t>24.12.2018</a:t>
             </a:fld>
             <a:endParaRPr lang="ru-RU"/>
           </a:p>
@@ -2116,7 +2116,7 @@
           <a:p>
             <a:fld id="{0B38DCC9-3BA9-4C45-BF12-9B42EAB058F9}" type="datetimeFigureOut">
               <a:rPr lang="ru-RU" smtClean="0"/>
-              <a:t>17.12.2018</a:t>
+              <a:t>24.12.2018</a:t>
             </a:fld>
             <a:endParaRPr lang="ru-RU"/>
           </a:p>
@@ -2369,7 +2369,7 @@
           <a:p>
             <a:fld id="{0B38DCC9-3BA9-4C45-BF12-9B42EAB058F9}" type="datetimeFigureOut">
               <a:rPr lang="ru-RU" smtClean="0"/>
-              <a:t>17.12.2018</a:t>
+              <a:t>24.12.2018</a:t>
             </a:fld>
             <a:endParaRPr lang="ru-RU"/>
           </a:p>
@@ -2591,7 +2591,7 @@
           <a:p>
             <a:fld id="{0B38DCC9-3BA9-4C45-BF12-9B42EAB058F9}" type="datetimeFigureOut">
               <a:rPr lang="ru-RU" smtClean="0"/>
-              <a:t>17.12.2018</a:t>
+              <a:t>24.12.2018</a:t>
             </a:fld>
             <a:endParaRPr lang="ru-RU"/>
           </a:p>
@@ -4656,10 +4656,6 @@
               </a:rPr>
               <a:t>Технология обучения нейронной сети</a:t>
             </a:r>
-            <a:endParaRPr lang="ru-RU" sz="4000" dirty="0">
-              <a:latin typeface="Junegull" panose="04010000000000000000" pitchFamily="82" charset="-52"/>
-              <a:ea typeface="Times New Roman" panose="02020603050405020304" pitchFamily="18" charset="0"/>
-            </a:endParaRPr>
           </a:p>
         </p:txBody>
       </p:sp>
@@ -4826,10 +4822,6 @@
               </a:rPr>
               <a:t>Формирование данных</a:t>
             </a:r>
-            <a:endParaRPr lang="ru-RU" b="1" dirty="0">
-              <a:latin typeface="Comic Sans MS" panose="030F0702030302020204" pitchFamily="66" charset="0"/>
-              <a:ea typeface="Times New Roman" panose="02020603050405020304" pitchFamily="18" charset="0"/>
-            </a:endParaRPr>
           </a:p>
         </p:txBody>
       </p:sp>
@@ -4952,10 +4944,6 @@
               </a:rPr>
               <a:t>Формирование модели</a:t>
             </a:r>
-            <a:endParaRPr lang="ru-RU" b="1" dirty="0">
-              <a:latin typeface="Comic Sans MS" panose="030F0702030302020204" pitchFamily="66" charset="0"/>
-              <a:ea typeface="Times New Roman" panose="02020603050405020304" pitchFamily="18" charset="0"/>
-            </a:endParaRPr>
           </a:p>
         </p:txBody>
       </p:sp>
@@ -6054,14 +6042,14 @@
                 <a:gridCol w="903817">
                   <a:extLst>
                     <a:ext uri="{9D8B030D-6E8A-4147-A177-3AD203B41FA5}">
-                      <a16:colId xmlns:a16="http://schemas.microsoft.com/office/drawing/2014/main" val="1595897272"/>
+                      <a16:colId xmlns:a16="http://schemas.microsoft.com/office/drawing/2014/main" xmlns="" val="1595897272"/>
                     </a:ext>
                   </a:extLst>
                 </a:gridCol>
                 <a:gridCol w="903817">
                   <a:extLst>
                     <a:ext uri="{9D8B030D-6E8A-4147-A177-3AD203B41FA5}">
-                      <a16:colId xmlns:a16="http://schemas.microsoft.com/office/drawing/2014/main" val="1681862396"/>
+                      <a16:colId xmlns:a16="http://schemas.microsoft.com/office/drawing/2014/main" xmlns="" val="1681862396"/>
                     </a:ext>
                   </a:extLst>
                 </a:gridCol>
@@ -6203,7 +6191,7 @@
                 </a:tc>
                 <a:extLst>
                   <a:ext uri="{0D108BD9-81ED-4DB2-BD59-A6C34878D82A}">
-                    <a16:rowId xmlns:a16="http://schemas.microsoft.com/office/drawing/2014/main" val="2702923039"/>
+                    <a16:rowId xmlns:a16="http://schemas.microsoft.com/office/drawing/2014/main" xmlns="" val="2702923039"/>
                   </a:ext>
                 </a:extLst>
               </a:tr>
@@ -6328,7 +6316,7 @@
                 </a:tc>
                 <a:extLst>
                   <a:ext uri="{0D108BD9-81ED-4DB2-BD59-A6C34878D82A}">
-                    <a16:rowId xmlns:a16="http://schemas.microsoft.com/office/drawing/2014/main" val="3748797921"/>
+                    <a16:rowId xmlns:a16="http://schemas.microsoft.com/office/drawing/2014/main" xmlns="" val="3748797921"/>
                   </a:ext>
                 </a:extLst>
               </a:tr>
@@ -6457,7 +6445,7 @@
                 </a:tc>
                 <a:extLst>
                   <a:ext uri="{0D108BD9-81ED-4DB2-BD59-A6C34878D82A}">
-                    <a16:rowId xmlns:a16="http://schemas.microsoft.com/office/drawing/2014/main" val="4137908835"/>
+                    <a16:rowId xmlns:a16="http://schemas.microsoft.com/office/drawing/2014/main" xmlns="" val="4137908835"/>
                   </a:ext>
                 </a:extLst>
               </a:tr>
@@ -8018,7 +8006,7 @@
                         <m:fPr>
                           <m:ctrlPr>
                             <a:rPr lang="ru-RU" sz="2400" b="1" i="1">
-                              <a:latin typeface="Cambria Math" panose="02040503050406030204" pitchFamily="18" charset="0"/>
+                              <a:latin typeface="Cambria Math"/>
                             </a:rPr>
                           </m:ctrlPr>
                         </m:fPr>
@@ -8029,7 +8017,7 @@
                               <m:limLoc m:val="undOvr"/>
                               <m:ctrlPr>
                                 <a:rPr lang="ru-RU" sz="2400" b="1" i="1">
-                                  <a:latin typeface="Cambria Math" panose="02040503050406030204" pitchFamily="18" charset="0"/>
+                                  <a:latin typeface="Cambria Math"/>
                                 </a:rPr>
                               </m:ctrlPr>
                             </m:naryPr>
@@ -8066,7 +8054,7 @@
                                 <m:sSubPr>
                                   <m:ctrlPr>
                                     <a:rPr lang="ru-RU" sz="2400" b="1" i="1">
-                                      <a:latin typeface="Cambria Math" panose="02040503050406030204" pitchFamily="18" charset="0"/>
+                                      <a:latin typeface="Cambria Math"/>
                                     </a:rPr>
                                   </m:ctrlPr>
                                 </m:sSubPr>
@@ -8229,7 +8217,7 @@
                         <m:fPr>
                           <m:ctrlPr>
                             <a:rPr lang="ru-RU" sz="2000" b="1" i="1">
-                              <a:latin typeface="Cambria Math" panose="02040503050406030204" pitchFamily="18" charset="0"/>
+                              <a:latin typeface="Cambria Math"/>
                             </a:rPr>
                           </m:ctrlPr>
                         </m:fPr>
@@ -8240,7 +8228,7 @@
                               <m:limLoc m:val="undOvr"/>
                               <m:ctrlPr>
                                 <a:rPr lang="ru-RU" sz="2000" b="1" i="1">
-                                  <a:latin typeface="Cambria Math" panose="02040503050406030204" pitchFamily="18" charset="0"/>
+                                  <a:latin typeface="Cambria Math"/>
                                 </a:rPr>
                               </m:ctrlPr>
                             </m:naryPr>
@@ -8277,7 +8265,7 @@
                                 <m:sSubPr>
                                   <m:ctrlPr>
                                     <a:rPr lang="ru-RU" sz="2000" b="1" i="1">
-                                      <a:latin typeface="Cambria Math" panose="02040503050406030204" pitchFamily="18" charset="0"/>
+                                      <a:latin typeface="Cambria Math"/>
                                     </a:rPr>
                                   </m:ctrlPr>
                                 </m:sSubPr>
@@ -8332,7 +8320,7 @@
                         <m:fPr>
                           <m:ctrlPr>
                             <a:rPr lang="ru-RU" sz="2000" b="1" i="1">
-                              <a:latin typeface="Cambria Math" panose="02040503050406030204" pitchFamily="18" charset="0"/>
+                              <a:latin typeface="Cambria Math"/>
                             </a:rPr>
                           </m:ctrlPr>
                         </m:fPr>
@@ -8473,7 +8461,7 @@
                       <m:sSubPr>
                         <m:ctrlPr>
                           <a:rPr lang="ru-RU" b="1" i="1">
-                            <a:latin typeface="Cambria Math" panose="02040503050406030204" pitchFamily="18" charset="0"/>
+                            <a:latin typeface="Cambria Math"/>
                           </a:rPr>
                         </m:ctrlPr>
                       </m:sSubPr>
@@ -9992,8 +9980,19 @@
                 <a:latin typeface="Comic Sans MS" panose="030F0702030302020204" pitchFamily="66" charset="0"/>
                 <a:cs typeface="Times New Roman" pitchFamily="18" charset="0"/>
               </a:rPr>
-              <a:t>и т.д.</a:t>
-            </a:r>
+              <a:t>и </a:t>
+            </a:r>
+            <a:r>
+              <a:rPr lang="ru-RU" sz="2400" smtClean="0">
+                <a:latin typeface="Comic Sans MS" panose="030F0702030302020204" pitchFamily="66" charset="0"/>
+                <a:cs typeface="Times New Roman" pitchFamily="18" charset="0"/>
+              </a:rPr>
+              <a:t>тд</a:t>
+            </a:r>
+            <a:endParaRPr lang="ru-RU" sz="2400" dirty="0" smtClean="0">
+              <a:latin typeface="Comic Sans MS" panose="030F0702030302020204" pitchFamily="66" charset="0"/>
+              <a:cs typeface="Times New Roman" pitchFamily="18" charset="0"/>
+            </a:endParaRPr>
           </a:p>
           <a:p>
             <a:pPr marL="261938" indent="547688" algn="just">
@@ -10171,10 +10170,6 @@
               </a:rPr>
               <a:t>инструмент для  решения задачи распознавания  фокуса.</a:t>
             </a:r>
-            <a:endParaRPr lang="ru-RU" sz="2400" dirty="0">
-              <a:latin typeface="Comic Sans MS" panose="030F0702030302020204" pitchFamily="66" charset="0"/>
-              <a:ea typeface="Times New Roman" panose="02020603050405020304" pitchFamily="18" charset="0"/>
-            </a:endParaRPr>
           </a:p>
           <a:p>
             <a:pPr>
@@ -10362,10 +10357,6 @@
               </a:rPr>
               <a:t>фокуса в изображении</a:t>
             </a:r>
-            <a:endParaRPr lang="ru-RU" sz="2400" dirty="0">
-              <a:latin typeface="Comic Sans MS" panose="030F0702030302020204" pitchFamily="66" charset="0"/>
-              <a:ea typeface="Times New Roman" panose="02020603050405020304" pitchFamily="18" charset="0"/>
-            </a:endParaRPr>
           </a:p>
         </p:txBody>
       </p:sp>
@@ -17563,7 +17554,7 @@
   <a:extraClrSchemeLst/>
   <a:extLst>
     <a:ext uri="{05A4C25C-085E-4340-85A3-A5531E510DB2}">
-      <thm15:themeFamily xmlns:thm15="http://schemas.microsoft.com/office/thememl/2012/main" name="Office Theme" id="{62F939B6-93AF-4DB8-9C6B-D6C7DFDC589F}" vid="{4A3C46E8-61CC-4603-A589-7422A47A8E4A}"/>
+      <thm15:themeFamily xmlns:thm15="http://schemas.microsoft.com/office/thememl/2012/main" xmlns="" name="Office Theme" id="{62F939B6-93AF-4DB8-9C6B-D6C7DFDC589F}" vid="{4A3C46E8-61CC-4603-A589-7422A47A8E4A}"/>
     </a:ext>
   </a:extLst>
 </a:theme>
